--- a/リザルト構成案.pptx
+++ b/リザルト構成案.pptx
@@ -3306,8 +3306,8 @@
         </p:nvSpPr>
         <p:spPr>
           <a:xfrm>
-            <a:off x="0" y="4427968"/>
-            <a:ext cx="2400299" cy="2423756"/>
+            <a:off x="102252" y="4407025"/>
+            <a:ext cx="2400299" cy="2440843"/>
           </a:xfrm>
           <a:prstGeom prst="rect">
             <a:avLst/>
@@ -3351,7 +3351,7 @@
         </p:nvSpPr>
         <p:spPr>
           <a:xfrm>
-            <a:off x="0" y="3620752"/>
+            <a:off x="102252" y="3599809"/>
             <a:ext cx="2400299" cy="1569427"/>
           </a:xfrm>
           <a:prstGeom prst="ellipse">
@@ -3396,7 +3396,7 @@
         </p:nvSpPr>
         <p:spPr>
           <a:xfrm>
-            <a:off x="3198266" y="4403270"/>
+            <a:off x="3308114" y="4396993"/>
             <a:ext cx="2400299" cy="2454730"/>
           </a:xfrm>
           <a:prstGeom prst="rect">
@@ -3441,7 +3441,7 @@
         </p:nvSpPr>
         <p:spPr>
           <a:xfrm>
-            <a:off x="3198265" y="3596054"/>
+            <a:off x="3300517" y="3575111"/>
             <a:ext cx="2400299" cy="1569427"/>
           </a:xfrm>
           <a:prstGeom prst="ellipse">
@@ -3486,8 +3486,8 @@
         </p:nvSpPr>
         <p:spPr>
           <a:xfrm>
-            <a:off x="6406662" y="4427966"/>
-            <a:ext cx="2400299" cy="2430034"/>
+            <a:off x="6508914" y="4407023"/>
+            <a:ext cx="2400299" cy="2440844"/>
           </a:xfrm>
           <a:prstGeom prst="rect">
             <a:avLst/>
@@ -3531,7 +3531,7 @@
         </p:nvSpPr>
         <p:spPr>
           <a:xfrm>
-            <a:off x="6406661" y="3620751"/>
+            <a:off x="6508913" y="3599808"/>
             <a:ext cx="2400299" cy="1569427"/>
           </a:xfrm>
           <a:prstGeom prst="ellipse">
@@ -3576,8 +3576,8 @@
         </p:nvSpPr>
         <p:spPr>
           <a:xfrm>
-            <a:off x="9609990" y="4427966"/>
-            <a:ext cx="2400299" cy="2423757"/>
+            <a:off x="9709712" y="4380868"/>
+            <a:ext cx="2402828" cy="2477050"/>
           </a:xfrm>
           <a:prstGeom prst="rect">
             <a:avLst/>
@@ -3621,7 +3621,7 @@
         </p:nvSpPr>
         <p:spPr>
           <a:xfrm>
-            <a:off x="9609989" y="3620751"/>
+            <a:off x="9712241" y="3599808"/>
             <a:ext cx="2400299" cy="1569427"/>
           </a:xfrm>
           <a:prstGeom prst="ellipse">
@@ -3861,7 +3861,7 @@
         </p:nvSpPr>
         <p:spPr>
           <a:xfrm>
-            <a:off x="10390066" y="3161872"/>
+            <a:off x="10369226" y="3161872"/>
             <a:ext cx="296984" cy="360485"/>
           </a:xfrm>
           <a:custGeom>
@@ -4107,7 +4107,7 @@
         </p:nvSpPr>
         <p:spPr>
           <a:xfrm>
-            <a:off x="773723" y="4070838"/>
+            <a:off x="823220" y="4050413"/>
             <a:ext cx="958362" cy="668216"/>
           </a:xfrm>
           <a:prstGeom prst="rect">
@@ -4150,7 +4150,7 @@
         </p:nvSpPr>
         <p:spPr>
           <a:xfrm>
-            <a:off x="3924297" y="4020801"/>
+            <a:off x="4029082" y="4050413"/>
             <a:ext cx="958362" cy="668216"/>
           </a:xfrm>
           <a:prstGeom prst="rect">
@@ -4193,7 +4193,7 @@
         </p:nvSpPr>
         <p:spPr>
           <a:xfrm>
-            <a:off x="7203831" y="4062885"/>
+            <a:off x="7229881" y="4050413"/>
             <a:ext cx="958362" cy="668216"/>
           </a:xfrm>
           <a:prstGeom prst="rect">
@@ -4236,7 +4236,7 @@
         </p:nvSpPr>
         <p:spPr>
           <a:xfrm>
-            <a:off x="10420222" y="4051574"/>
+            <a:off x="10433209" y="4048219"/>
             <a:ext cx="958362" cy="668216"/>
           </a:xfrm>
           <a:prstGeom prst="rect">
@@ -4773,8 +4773,8 @@
         </p:nvSpPr>
         <p:spPr>
           <a:xfrm>
-            <a:off x="1" y="4427967"/>
-            <a:ext cx="2400299" cy="2430033"/>
+            <a:off x="100987" y="4434245"/>
+            <a:ext cx="2400299" cy="2423756"/>
           </a:xfrm>
           <a:prstGeom prst="rect">
             <a:avLst/>
@@ -4818,7 +4818,7 @@
         </p:nvSpPr>
         <p:spPr>
           <a:xfrm>
-            <a:off x="0" y="3620752"/>
+            <a:off x="100986" y="3627029"/>
             <a:ext cx="2400299" cy="1569427"/>
           </a:xfrm>
           <a:prstGeom prst="ellipse">
@@ -4863,8 +4863,8 @@
         </p:nvSpPr>
         <p:spPr>
           <a:xfrm>
-            <a:off x="3203332" y="4427966"/>
-            <a:ext cx="2400299" cy="2430034"/>
+            <a:off x="3304318" y="4434243"/>
+            <a:ext cx="2400299" cy="2423757"/>
           </a:xfrm>
           <a:prstGeom prst="rect">
             <a:avLst/>
@@ -4908,7 +4908,7 @@
         </p:nvSpPr>
         <p:spPr>
           <a:xfrm>
-            <a:off x="3203331" y="3620751"/>
+            <a:off x="3304317" y="3627028"/>
             <a:ext cx="2400299" cy="1569427"/>
           </a:xfrm>
           <a:prstGeom prst="ellipse">
@@ -4953,7 +4953,7 @@
         </p:nvSpPr>
         <p:spPr>
           <a:xfrm>
-            <a:off x="6406662" y="4427966"/>
+            <a:off x="6507648" y="4434243"/>
             <a:ext cx="2400299" cy="2423757"/>
           </a:xfrm>
           <a:prstGeom prst="rect">
@@ -4998,7 +4998,7 @@
         </p:nvSpPr>
         <p:spPr>
           <a:xfrm>
-            <a:off x="6406661" y="3620751"/>
+            <a:off x="6507647" y="3627028"/>
             <a:ext cx="2400299" cy="1569427"/>
           </a:xfrm>
           <a:prstGeom prst="ellipse">
@@ -5043,8 +5043,8 @@
         </p:nvSpPr>
         <p:spPr>
           <a:xfrm>
-            <a:off x="9609990" y="4427966"/>
-            <a:ext cx="2400299" cy="2430034"/>
+            <a:off x="9710976" y="4434243"/>
+            <a:ext cx="2400299" cy="2423757"/>
           </a:xfrm>
           <a:prstGeom prst="rect">
             <a:avLst/>
@@ -5088,7 +5088,7 @@
         </p:nvSpPr>
         <p:spPr>
           <a:xfrm>
-            <a:off x="9609989" y="3620751"/>
+            <a:off x="9710975" y="3627028"/>
             <a:ext cx="2400299" cy="1569427"/>
           </a:xfrm>
           <a:prstGeom prst="ellipse">
@@ -5886,6 +5886,178 @@
               <a:t>モデル</a:t>
             </a:r>
             <a:endParaRPr kumimoji="1" lang="ja-JP" altLang="en-US" sz="2000" b="1" dirty="0"/>
+          </a:p>
+        </p:txBody>
+      </p:sp>
+      <p:sp>
+        <p:nvSpPr>
+          <p:cNvPr id="41" name="正方形/長方形 40"/>
+          <p:cNvSpPr/>
+          <p:nvPr/>
+        </p:nvSpPr>
+        <p:spPr>
+          <a:xfrm>
+            <a:off x="823220" y="4050413"/>
+            <a:ext cx="958362" cy="668216"/>
+          </a:xfrm>
+          <a:prstGeom prst="rect">
+            <a:avLst/>
+          </a:prstGeom>
+          <a:solidFill>
+            <a:srgbClr val="00B0F0"/>
+          </a:solidFill>
+        </p:spPr>
+        <p:style>
+          <a:lnRef idx="2">
+            <a:schemeClr val="accent1">
+              <a:shade val="50000"/>
+            </a:schemeClr>
+          </a:lnRef>
+          <a:fillRef idx="1">
+            <a:schemeClr val="accent1"/>
+          </a:fillRef>
+          <a:effectRef idx="0">
+            <a:schemeClr val="accent1"/>
+          </a:effectRef>
+          <a:fontRef idx="minor">
+            <a:schemeClr val="lt1"/>
+          </a:fontRef>
+        </p:style>
+        <p:txBody>
+          <a:bodyPr rtlCol="0" anchor="ctr"/>
+          <a:lstStyle/>
+          <a:p>
+            <a:pPr algn="ctr"/>
+            <a:endParaRPr kumimoji="1" lang="ja-JP" altLang="en-US"/>
+          </a:p>
+        </p:txBody>
+      </p:sp>
+      <p:sp>
+        <p:nvSpPr>
+          <p:cNvPr id="42" name="正方形/長方形 41"/>
+          <p:cNvSpPr/>
+          <p:nvPr/>
+        </p:nvSpPr>
+        <p:spPr>
+          <a:xfrm>
+            <a:off x="4029082" y="4050413"/>
+            <a:ext cx="958362" cy="668216"/>
+          </a:xfrm>
+          <a:prstGeom prst="rect">
+            <a:avLst/>
+          </a:prstGeom>
+          <a:solidFill>
+            <a:srgbClr val="FF0000"/>
+          </a:solidFill>
+        </p:spPr>
+        <p:style>
+          <a:lnRef idx="2">
+            <a:schemeClr val="accent2">
+              <a:shade val="50000"/>
+            </a:schemeClr>
+          </a:lnRef>
+          <a:fillRef idx="1">
+            <a:schemeClr val="accent2"/>
+          </a:fillRef>
+          <a:effectRef idx="0">
+            <a:schemeClr val="accent2"/>
+          </a:effectRef>
+          <a:fontRef idx="minor">
+            <a:schemeClr val="lt1"/>
+          </a:fontRef>
+        </p:style>
+        <p:txBody>
+          <a:bodyPr rtlCol="0" anchor="ctr"/>
+          <a:lstStyle/>
+          <a:p>
+            <a:pPr algn="ctr"/>
+            <a:endParaRPr kumimoji="1" lang="ja-JP" altLang="en-US"/>
+          </a:p>
+        </p:txBody>
+      </p:sp>
+      <p:sp>
+        <p:nvSpPr>
+          <p:cNvPr id="43" name="正方形/長方形 42"/>
+          <p:cNvSpPr/>
+          <p:nvPr/>
+        </p:nvSpPr>
+        <p:spPr>
+          <a:xfrm>
+            <a:off x="7229881" y="4050413"/>
+            <a:ext cx="958362" cy="668216"/>
+          </a:xfrm>
+          <a:prstGeom prst="rect">
+            <a:avLst/>
+          </a:prstGeom>
+          <a:solidFill>
+            <a:srgbClr val="92D050"/>
+          </a:solidFill>
+        </p:spPr>
+        <p:style>
+          <a:lnRef idx="2">
+            <a:schemeClr val="accent6">
+              <a:shade val="50000"/>
+            </a:schemeClr>
+          </a:lnRef>
+          <a:fillRef idx="1">
+            <a:schemeClr val="accent6"/>
+          </a:fillRef>
+          <a:effectRef idx="0">
+            <a:schemeClr val="accent6"/>
+          </a:effectRef>
+          <a:fontRef idx="minor">
+            <a:schemeClr val="lt1"/>
+          </a:fontRef>
+        </p:style>
+        <p:txBody>
+          <a:bodyPr rtlCol="0" anchor="ctr"/>
+          <a:lstStyle/>
+          <a:p>
+            <a:pPr algn="ctr"/>
+            <a:endParaRPr kumimoji="1" lang="ja-JP" altLang="en-US"/>
+          </a:p>
+        </p:txBody>
+      </p:sp>
+      <p:sp>
+        <p:nvSpPr>
+          <p:cNvPr id="44" name="正方形/長方形 43"/>
+          <p:cNvSpPr/>
+          <p:nvPr/>
+        </p:nvSpPr>
+        <p:spPr>
+          <a:xfrm>
+            <a:off x="10433209" y="4048219"/>
+            <a:ext cx="958362" cy="668216"/>
+          </a:xfrm>
+          <a:prstGeom prst="rect">
+            <a:avLst/>
+          </a:prstGeom>
+          <a:solidFill>
+            <a:schemeClr val="accent4"/>
+          </a:solidFill>
+        </p:spPr>
+        <p:style>
+          <a:lnRef idx="2">
+            <a:schemeClr val="accent4">
+              <a:shade val="50000"/>
+            </a:schemeClr>
+          </a:lnRef>
+          <a:fillRef idx="1">
+            <a:schemeClr val="accent4"/>
+          </a:fillRef>
+          <a:effectRef idx="0">
+            <a:schemeClr val="accent4"/>
+          </a:effectRef>
+          <a:fontRef idx="minor">
+            <a:schemeClr val="lt1"/>
+          </a:fontRef>
+        </p:style>
+        <p:txBody>
+          <a:bodyPr rtlCol="0" anchor="ctr"/>
+          <a:lstStyle/>
+          <a:p>
+            <a:pPr algn="ctr"/>
+            <a:endParaRPr kumimoji="1" lang="ja-JP" altLang="en-US"/>
           </a:p>
         </p:txBody>
       </p:sp>

--- a/リザルト構成案.pptx
+++ b/リザルト構成案.pptx
@@ -244,7 +244,7 @@
           <a:p>
             <a:fld id="{106ABD81-BF01-48A3-872A-6CE99CA77F77}" type="datetimeFigureOut">
               <a:rPr kumimoji="1" lang="ja-JP" altLang="en-US" smtClean="0"/>
-              <a:t>2022/11/22</a:t>
+              <a:t>2022/11/25</a:t>
             </a:fld>
             <a:endParaRPr kumimoji="1" lang="ja-JP" altLang="en-US"/>
           </a:p>
@@ -446,7 +446,7 @@
           <a:p>
             <a:fld id="{106ABD81-BF01-48A3-872A-6CE99CA77F77}" type="datetimeFigureOut">
               <a:rPr kumimoji="1" lang="ja-JP" altLang="en-US" smtClean="0"/>
-              <a:t>2022/11/22</a:t>
+              <a:t>2022/11/25</a:t>
             </a:fld>
             <a:endParaRPr kumimoji="1" lang="ja-JP" altLang="en-US"/>
           </a:p>
@@ -658,7 +658,7 @@
           <a:p>
             <a:fld id="{106ABD81-BF01-48A3-872A-6CE99CA77F77}" type="datetimeFigureOut">
               <a:rPr kumimoji="1" lang="ja-JP" altLang="en-US" smtClean="0"/>
-              <a:t>2022/11/22</a:t>
+              <a:t>2022/11/25</a:t>
             </a:fld>
             <a:endParaRPr kumimoji="1" lang="ja-JP" altLang="en-US"/>
           </a:p>
@@ -860,7 +860,7 @@
           <a:p>
             <a:fld id="{106ABD81-BF01-48A3-872A-6CE99CA77F77}" type="datetimeFigureOut">
               <a:rPr kumimoji="1" lang="ja-JP" altLang="en-US" smtClean="0"/>
-              <a:t>2022/11/22</a:t>
+              <a:t>2022/11/25</a:t>
             </a:fld>
             <a:endParaRPr kumimoji="1" lang="ja-JP" altLang="en-US"/>
           </a:p>
@@ -1106,7 +1106,7 @@
           <a:p>
             <a:fld id="{106ABD81-BF01-48A3-872A-6CE99CA77F77}" type="datetimeFigureOut">
               <a:rPr kumimoji="1" lang="ja-JP" altLang="en-US" smtClean="0"/>
-              <a:t>2022/11/22</a:t>
+              <a:t>2022/11/25</a:t>
             </a:fld>
             <a:endParaRPr kumimoji="1" lang="ja-JP" altLang="en-US"/>
           </a:p>
@@ -1402,7 +1402,7 @@
           <a:p>
             <a:fld id="{106ABD81-BF01-48A3-872A-6CE99CA77F77}" type="datetimeFigureOut">
               <a:rPr kumimoji="1" lang="ja-JP" altLang="en-US" smtClean="0"/>
-              <a:t>2022/11/22</a:t>
+              <a:t>2022/11/25</a:t>
             </a:fld>
             <a:endParaRPr kumimoji="1" lang="ja-JP" altLang="en-US"/>
           </a:p>
@@ -1833,7 +1833,7 @@
           <a:p>
             <a:fld id="{106ABD81-BF01-48A3-872A-6CE99CA77F77}" type="datetimeFigureOut">
               <a:rPr kumimoji="1" lang="ja-JP" altLang="en-US" smtClean="0"/>
-              <a:t>2022/11/22</a:t>
+              <a:t>2022/11/25</a:t>
             </a:fld>
             <a:endParaRPr kumimoji="1" lang="ja-JP" altLang="en-US"/>
           </a:p>
@@ -1951,7 +1951,7 @@
           <a:p>
             <a:fld id="{106ABD81-BF01-48A3-872A-6CE99CA77F77}" type="datetimeFigureOut">
               <a:rPr kumimoji="1" lang="ja-JP" altLang="en-US" smtClean="0"/>
-              <a:t>2022/11/22</a:t>
+              <a:t>2022/11/25</a:t>
             </a:fld>
             <a:endParaRPr kumimoji="1" lang="ja-JP" altLang="en-US"/>
           </a:p>
@@ -2046,7 +2046,7 @@
           <a:p>
             <a:fld id="{106ABD81-BF01-48A3-872A-6CE99CA77F77}" type="datetimeFigureOut">
               <a:rPr kumimoji="1" lang="ja-JP" altLang="en-US" smtClean="0"/>
-              <a:t>2022/11/22</a:t>
+              <a:t>2022/11/25</a:t>
             </a:fld>
             <a:endParaRPr kumimoji="1" lang="ja-JP" altLang="en-US"/>
           </a:p>
@@ -2355,7 +2355,7 @@
           <a:p>
             <a:fld id="{106ABD81-BF01-48A3-872A-6CE99CA77F77}" type="datetimeFigureOut">
               <a:rPr kumimoji="1" lang="ja-JP" altLang="en-US" smtClean="0"/>
-              <a:t>2022/11/22</a:t>
+              <a:t>2022/11/25</a:t>
             </a:fld>
             <a:endParaRPr kumimoji="1" lang="ja-JP" altLang="en-US"/>
           </a:p>
@@ -2608,7 +2608,7 @@
           <a:p>
             <a:fld id="{106ABD81-BF01-48A3-872A-6CE99CA77F77}" type="datetimeFigureOut">
               <a:rPr kumimoji="1" lang="ja-JP" altLang="en-US" smtClean="0"/>
-              <a:t>2022/11/22</a:t>
+              <a:t>2022/11/25</a:t>
             </a:fld>
             <a:endParaRPr kumimoji="1" lang="ja-JP" altLang="en-US"/>
           </a:p>
@@ -2853,7 +2853,7 @@
           <a:p>
             <a:fld id="{106ABD81-BF01-48A3-872A-6CE99CA77F77}" type="datetimeFigureOut">
               <a:rPr kumimoji="1" lang="ja-JP" altLang="en-US" smtClean="0"/>
-              <a:t>2022/11/22</a:t>
+              <a:t>2022/11/25</a:t>
             </a:fld>
             <a:endParaRPr kumimoji="1" lang="ja-JP" altLang="en-US"/>
           </a:p>
@@ -3666,14 +3666,14 @@
         </p:nvSpPr>
         <p:spPr>
           <a:xfrm>
-            <a:off x="6148755" y="249738"/>
+            <a:off x="6132393" y="249738"/>
             <a:ext cx="1055076" cy="1204547"/>
           </a:xfrm>
           <a:prstGeom prst="ellipse">
             <a:avLst/>
           </a:prstGeom>
           <a:solidFill>
-            <a:srgbClr val="FF93D3"/>
+            <a:srgbClr val="00B0F0"/>
           </a:solidFill>
           <a:ln>
             <a:solidFill>
@@ -3820,7 +3820,7 @@
             <a:avLst/>
           </a:prstGeom>
           <a:solidFill>
-            <a:srgbClr val="FF93D3"/>
+            <a:schemeClr val="accent6"/>
           </a:solidFill>
           <a:ln>
             <a:solidFill>
